--- a/README/Connect6AI.pptx
+++ b/README/Connect6AI.pptx
@@ -248,7 +248,7 @@
                 <a:latin typeface="Microsoft YaHei UI" panose="020B0503020204020204" pitchFamily="34" charset="-122"/>
                 <a:ea typeface="Microsoft YaHei UI" panose="020B0503020204020204" pitchFamily="34" charset="-122"/>
               </a:rPr>
-              <a:t>2021/5/7</a:t>
+              <a:t>2021/5/15</a:t>
             </a:fld>
             <a:endParaRPr lang="en-US" dirty="0">
               <a:latin typeface="Microsoft YaHei UI" panose="020B0503020204020204" pitchFamily="34" charset="-122"/>
@@ -446,7 +446,7 @@
           <a:p>
             <a:fld id="{B855F6AB-8B2D-4C8E-B1E3-DA8942A7744B}" type="datetime1">
               <a:rPr lang="zh-CN" altLang="en-US" smtClean="0"/>
-              <a:t>2021/5/7</a:t>
+              <a:t>2021/5/15</a:t>
             </a:fld>
             <a:endParaRPr lang="en-US" dirty="0"/>
           </a:p>
@@ -818,7 +818,7 @@
           <a:p>
             <a:fld id="{EE3D6AE6-F73B-41E4-A43A-9BEB7FCD4A9C}" type="datetime1">
               <a:rPr lang="zh-CN" altLang="en-US" smtClean="0"/>
-              <a:t>2021/5/7</a:t>
+              <a:t>2021/5/15</a:t>
             </a:fld>
             <a:endParaRPr lang="en-US" dirty="0"/>
           </a:p>
@@ -933,7 +933,7 @@
           <a:p>
             <a:fld id="{B0ED8DF9-4541-41CA-912C-03E157EA6FDB}" type="datetime1">
               <a:rPr lang="zh-CN" altLang="en-US" smtClean="0"/>
-              <a:t>2021/5/7</a:t>
+              <a:t>2021/5/15</a:t>
             </a:fld>
             <a:endParaRPr lang="en-US" dirty="0"/>
           </a:p>
@@ -1048,7 +1048,7 @@
           <a:p>
             <a:fld id="{B0ED8DF9-4541-41CA-912C-03E157EA6FDB}" type="datetime1">
               <a:rPr lang="zh-CN" altLang="en-US" smtClean="0"/>
-              <a:t>2021/5/7</a:t>
+              <a:t>2021/5/15</a:t>
             </a:fld>
             <a:endParaRPr lang="en-US" dirty="0"/>
           </a:p>
@@ -1163,7 +1163,7 @@
           <a:p>
             <a:fld id="{B0ED8DF9-4541-41CA-912C-03E157EA6FDB}" type="datetime1">
               <a:rPr lang="zh-CN" altLang="en-US" smtClean="0"/>
-              <a:t>2021/5/7</a:t>
+              <a:t>2021/5/15</a:t>
             </a:fld>
             <a:endParaRPr lang="en-US" dirty="0"/>
           </a:p>
@@ -1278,7 +1278,7 @@
           <a:p>
             <a:fld id="{B0ED8DF9-4541-41CA-912C-03E157EA6FDB}" type="datetime1">
               <a:rPr lang="zh-CN" altLang="en-US" smtClean="0"/>
-              <a:t>2021/5/7</a:t>
+              <a:t>2021/5/15</a:t>
             </a:fld>
             <a:endParaRPr lang="en-US" dirty="0"/>
           </a:p>
@@ -3572,7 +3572,7 @@
           <a:p>
             <a:fld id="{CFECCED4-C13D-4D1F-B8FC-A7B400CA580B}" type="datetime1">
               <a:rPr lang="zh-CN" altLang="en-US" smtClean="0"/>
-              <a:t>2021/5/7</a:t>
+              <a:t>2021/5/15</a:t>
             </a:fld>
             <a:endParaRPr lang="en-US" dirty="0"/>
           </a:p>
@@ -4282,7 +4282,7 @@
           <a:p>
             <a:fld id="{7D12C34A-CFB5-4FEF-8890-35108A34EACA}" type="datetime1">
               <a:rPr lang="zh-CN" altLang="en-US" smtClean="0"/>
-              <a:t>2021/5/7</a:t>
+              <a:t>2021/5/15</a:t>
             </a:fld>
             <a:endParaRPr lang="en-US" dirty="0"/>
           </a:p>
@@ -4546,7 +4546,7 @@
           <a:p>
             <a:fld id="{A83A700D-9F27-410D-B1B8-E3C667347E2A}" type="datetime1">
               <a:rPr lang="zh-CN" altLang="en-US" smtClean="0"/>
-              <a:t>2021/5/7</a:t>
+              <a:t>2021/5/15</a:t>
             </a:fld>
             <a:endParaRPr lang="en-US" dirty="0"/>
           </a:p>
@@ -5123,7 +5123,9 @@
           </a:xfrm>
         </p:spPr>
         <p:txBody>
-          <a:bodyPr rtlCol="0"/>
+          <a:bodyPr rtlCol="0">
+            <a:normAutofit fontScale="92500" lnSpcReduction="10000"/>
+          </a:bodyPr>
           <a:lstStyle/>
           <a:p>
             <a:pPr rtl="0"/>
@@ -5224,6 +5226,22 @@
             <a:r>
               <a:rPr lang="zh-CN" altLang="en-US" dirty="0"/>
               <a:t>落子</a:t>
+            </a:r>
+            <a:endParaRPr lang="en-US" altLang="zh-CN" dirty="0"/>
+          </a:p>
+          <a:p>
+            <a:pPr lvl="1"/>
+            <a:r>
+              <a:rPr lang="zh-CN" altLang="en-US" dirty="0"/>
+              <a:t>撤销落子</a:t>
+            </a:r>
+            <a:endParaRPr lang="en-US" altLang="zh-CN" dirty="0"/>
+          </a:p>
+          <a:p>
+            <a:pPr lvl="1"/>
+            <a:r>
+              <a:rPr lang="zh-CN" altLang="en-US"/>
+              <a:t>获取棋盘信息</a:t>
             </a:r>
             <a:endParaRPr lang="en-US" altLang="zh-CN" dirty="0"/>
           </a:p>
@@ -5357,7 +5375,7 @@
             <a:pPr lvl="1"/>
             <a:r>
               <a:rPr lang="zh-CN" altLang="en-US" dirty="0"/>
-              <a:t>随机化算法</a:t>
+              <a:t>首先查找我方是否有决胜步，如果有那么选择决胜步；</a:t>
             </a:r>
             <a:endParaRPr lang="en-US" altLang="zh-CN" dirty="0"/>
           </a:p>
@@ -5365,7 +5383,7 @@
             <a:pPr lvl="1"/>
             <a:r>
               <a:rPr lang="zh-CN" altLang="en-US" dirty="0"/>
-              <a:t>防守为主</a:t>
+              <a:t>然后查找对方是否有决胜步，如果有那么将其拦截；</a:t>
             </a:r>
             <a:endParaRPr lang="en-US" altLang="zh-CN" dirty="0"/>
           </a:p>
@@ -5373,19 +5391,30 @@
             <a:pPr lvl="1"/>
             <a:r>
               <a:rPr lang="zh-CN" altLang="en-US" dirty="0"/>
-              <a:t>根据落点周围棋子情况进行估值</a:t>
-            </a:r>
-            <a:r>
-              <a:rPr lang="zh-cn" altLang="zh-CN" dirty="0"/>
-              <a:t>.</a:t>
-            </a:r>
+              <a:t>如果双方都没有决胜步，那么选择一点向外拓展两个子。</a:t>
+            </a:r>
+            <a:endParaRPr lang="en-US" altLang="zh-CN" dirty="0"/>
           </a:p>
           <a:p>
             <a:pPr lvl="1"/>
-            <a:endParaRPr lang="zh-cn" altLang="zh-CN" dirty="0"/>
-          </a:p>
-          <a:p>
-            <a:pPr rtl="0"/>
+            <a:endParaRPr lang="en-US" altLang="ja-JP" dirty="0"/>
+          </a:p>
+          <a:p>
+            <a:endParaRPr lang="en-US" altLang="ja-JP" dirty="0"/>
+          </a:p>
+          <a:p>
+            <a:r>
+              <a:rPr lang="zh-CN" altLang="en-US" dirty="0"/>
+              <a:t>（本算法完全能战胜所有</a:t>
+            </a:r>
+            <a:r>
+              <a:rPr lang="en-US" altLang="zh-CN" dirty="0"/>
+              <a:t>Robot</a:t>
+            </a:r>
+            <a:r>
+              <a:rPr lang="zh-CN" altLang="en-US" dirty="0"/>
+              <a:t>）</a:t>
+            </a:r>
             <a:endParaRPr lang="en-US" altLang="ja-JP" dirty="0"/>
           </a:p>
         </p:txBody>
